--- a/files/binary_exploitation.pptx
+++ b/files/binary_exploitation.pptx
@@ -219,7 +219,7 @@
           <a:p>
             <a:fld id="{A9881B1C-CF05-0F44-A33E-A38439A627E4}" type="datetimeFigureOut">
               <a:rPr lang="en-IL" smtClean="0"/>
-              <a:t>12/13/2024</a:t>
+              <a:t>11/14/2025</a:t>
             </a:fld>
             <a:endParaRPr lang="en-IL"/>
           </a:p>
@@ -1876,7 +1876,7 @@
           <a:p>
             <a:fld id="{01F9F28E-B300-B343-AE70-8AAEBE22BCA3}" type="datetimeFigureOut">
               <a:rPr lang="en-IL" smtClean="0"/>
-              <a:t>12/13/2024</a:t>
+              <a:t>11/14/2025</a:t>
             </a:fld>
             <a:endParaRPr lang="en-IL"/>
           </a:p>
@@ -2076,7 +2076,7 @@
           <a:p>
             <a:fld id="{01F9F28E-B300-B343-AE70-8AAEBE22BCA3}" type="datetimeFigureOut">
               <a:rPr lang="en-IL" smtClean="0"/>
-              <a:t>12/13/2024</a:t>
+              <a:t>11/14/2025</a:t>
             </a:fld>
             <a:endParaRPr lang="en-IL"/>
           </a:p>
@@ -2286,7 +2286,7 @@
           <a:p>
             <a:fld id="{01F9F28E-B300-B343-AE70-8AAEBE22BCA3}" type="datetimeFigureOut">
               <a:rPr lang="en-IL" smtClean="0"/>
-              <a:t>12/13/2024</a:t>
+              <a:t>11/14/2025</a:t>
             </a:fld>
             <a:endParaRPr lang="en-IL"/>
           </a:p>
@@ -2486,7 +2486,7 @@
           <a:p>
             <a:fld id="{01F9F28E-B300-B343-AE70-8AAEBE22BCA3}" type="datetimeFigureOut">
               <a:rPr lang="en-IL" smtClean="0"/>
-              <a:t>12/13/2024</a:t>
+              <a:t>11/14/2025</a:t>
             </a:fld>
             <a:endParaRPr lang="en-IL"/>
           </a:p>
@@ -2762,7 +2762,7 @@
           <a:p>
             <a:fld id="{01F9F28E-B300-B343-AE70-8AAEBE22BCA3}" type="datetimeFigureOut">
               <a:rPr lang="en-IL" smtClean="0"/>
-              <a:t>12/13/2024</a:t>
+              <a:t>11/14/2025</a:t>
             </a:fld>
             <a:endParaRPr lang="en-IL"/>
           </a:p>
@@ -3030,7 +3030,7 @@
           <a:p>
             <a:fld id="{01F9F28E-B300-B343-AE70-8AAEBE22BCA3}" type="datetimeFigureOut">
               <a:rPr lang="en-IL" smtClean="0"/>
-              <a:t>12/13/2024</a:t>
+              <a:t>11/14/2025</a:t>
             </a:fld>
             <a:endParaRPr lang="en-IL"/>
           </a:p>
@@ -3445,7 +3445,7 @@
           <a:p>
             <a:fld id="{01F9F28E-B300-B343-AE70-8AAEBE22BCA3}" type="datetimeFigureOut">
               <a:rPr lang="en-IL" smtClean="0"/>
-              <a:t>12/13/2024</a:t>
+              <a:t>11/14/2025</a:t>
             </a:fld>
             <a:endParaRPr lang="en-IL"/>
           </a:p>
@@ -3587,7 +3587,7 @@
           <a:p>
             <a:fld id="{01F9F28E-B300-B343-AE70-8AAEBE22BCA3}" type="datetimeFigureOut">
               <a:rPr lang="en-IL" smtClean="0"/>
-              <a:t>12/13/2024</a:t>
+              <a:t>11/14/2025</a:t>
             </a:fld>
             <a:endParaRPr lang="en-IL"/>
           </a:p>
@@ -3700,7 +3700,7 @@
           <a:p>
             <a:fld id="{01F9F28E-B300-B343-AE70-8AAEBE22BCA3}" type="datetimeFigureOut">
               <a:rPr lang="en-IL" smtClean="0"/>
-              <a:t>12/13/2024</a:t>
+              <a:t>11/14/2025</a:t>
             </a:fld>
             <a:endParaRPr lang="en-IL"/>
           </a:p>
@@ -4013,7 +4013,7 @@
           <a:p>
             <a:fld id="{01F9F28E-B300-B343-AE70-8AAEBE22BCA3}" type="datetimeFigureOut">
               <a:rPr lang="en-IL" smtClean="0"/>
-              <a:t>12/13/2024</a:t>
+              <a:t>11/14/2025</a:t>
             </a:fld>
             <a:endParaRPr lang="en-IL"/>
           </a:p>
@@ -4302,7 +4302,7 @@
           <a:p>
             <a:fld id="{01F9F28E-B300-B343-AE70-8AAEBE22BCA3}" type="datetimeFigureOut">
               <a:rPr lang="en-IL" smtClean="0"/>
-              <a:t>12/13/2024</a:t>
+              <a:t>11/14/2025</a:t>
             </a:fld>
             <a:endParaRPr lang="en-IL"/>
           </a:p>
@@ -4545,7 +4545,7 @@
           <a:p>
             <a:fld id="{01F9F28E-B300-B343-AE70-8AAEBE22BCA3}" type="datetimeFigureOut">
               <a:rPr lang="en-IL" smtClean="0"/>
-              <a:t>12/13/2024</a:t>
+              <a:t>11/14/2025</a:t>
             </a:fld>
             <a:endParaRPr lang="en-IL"/>
           </a:p>
@@ -5256,9 +5256,9 @@
                 <a:ea typeface="+mn-lt"/>
                 <a:cs typeface="+mn-lt"/>
               </a:rPr>
-              <a:t>Winter 2024/25</a:t>
-            </a:r>
-            <a:endParaRPr lang="en-US" spc="100">
+              <a:t>Winter 2025/26</a:t>
+            </a:r>
+            <a:endParaRPr lang="en-US" spc="100" dirty="0">
               <a:solidFill>
                 <a:srgbClr val="000000"/>
               </a:solidFill>
